--- a/Chapter 2. Python for Data Scientists/Module 2. SQL/2. SQL Aggregations.pptx
+++ b/Chapter 2. Python for Data Scientists/Module 2. SQL/2. SQL Aggregations.pptx
@@ -214,7 +214,7 @@
           <a:p>
             <a:fld id="{1B459E4F-CE09-470E-A053-1F75FE5590FD}" type="datetimeFigureOut">
               <a:rPr lang="en-GB" smtClean="0"/>
-              <a:t>05/07/2020</a:t>
+              <a:t>02/09/2020</a:t>
             </a:fld>
             <a:endParaRPr lang="en-GB"/>
           </a:p>
@@ -1456,7 +1456,7 @@
           <a:p>
             <a:fld id="{139FB17E-009F-48E4-A3F5-EB7575EAFD61}" type="datetimeFigureOut">
               <a:rPr lang="en-GB" smtClean="0"/>
-              <a:t>05/07/2020</a:t>
+              <a:t>02/09/2020</a:t>
             </a:fld>
             <a:endParaRPr lang="en-GB"/>
           </a:p>
@@ -1656,7 +1656,7 @@
           <a:p>
             <a:fld id="{139FB17E-009F-48E4-A3F5-EB7575EAFD61}" type="datetimeFigureOut">
               <a:rPr lang="en-GB" smtClean="0"/>
-              <a:t>05/07/2020</a:t>
+              <a:t>02/09/2020</a:t>
             </a:fld>
             <a:endParaRPr lang="en-GB"/>
           </a:p>
@@ -1866,7 +1866,7 @@
           <a:p>
             <a:fld id="{139FB17E-009F-48E4-A3F5-EB7575EAFD61}" type="datetimeFigureOut">
               <a:rPr lang="en-GB" smtClean="0"/>
-              <a:t>05/07/2020</a:t>
+              <a:t>02/09/2020</a:t>
             </a:fld>
             <a:endParaRPr lang="en-GB"/>
           </a:p>
@@ -2066,7 +2066,7 @@
           <a:p>
             <a:fld id="{139FB17E-009F-48E4-A3F5-EB7575EAFD61}" type="datetimeFigureOut">
               <a:rPr lang="en-GB" smtClean="0"/>
-              <a:t>05/07/2020</a:t>
+              <a:t>02/09/2020</a:t>
             </a:fld>
             <a:endParaRPr lang="en-GB"/>
           </a:p>
@@ -2342,7 +2342,7 @@
           <a:p>
             <a:fld id="{139FB17E-009F-48E4-A3F5-EB7575EAFD61}" type="datetimeFigureOut">
               <a:rPr lang="en-GB" smtClean="0"/>
-              <a:t>05/07/2020</a:t>
+              <a:t>02/09/2020</a:t>
             </a:fld>
             <a:endParaRPr lang="en-GB"/>
           </a:p>
@@ -2610,7 +2610,7 @@
           <a:p>
             <a:fld id="{139FB17E-009F-48E4-A3F5-EB7575EAFD61}" type="datetimeFigureOut">
               <a:rPr lang="en-GB" smtClean="0"/>
-              <a:t>05/07/2020</a:t>
+              <a:t>02/09/2020</a:t>
             </a:fld>
             <a:endParaRPr lang="en-GB"/>
           </a:p>
@@ -3025,7 +3025,7 @@
           <a:p>
             <a:fld id="{139FB17E-009F-48E4-A3F5-EB7575EAFD61}" type="datetimeFigureOut">
               <a:rPr lang="en-GB" smtClean="0"/>
-              <a:t>05/07/2020</a:t>
+              <a:t>02/09/2020</a:t>
             </a:fld>
             <a:endParaRPr lang="en-GB"/>
           </a:p>
@@ -3167,7 +3167,7 @@
           <a:p>
             <a:fld id="{139FB17E-009F-48E4-A3F5-EB7575EAFD61}" type="datetimeFigureOut">
               <a:rPr lang="en-GB" smtClean="0"/>
-              <a:t>05/07/2020</a:t>
+              <a:t>02/09/2020</a:t>
             </a:fld>
             <a:endParaRPr lang="en-GB"/>
           </a:p>
@@ -3280,7 +3280,7 @@
           <a:p>
             <a:fld id="{139FB17E-009F-48E4-A3F5-EB7575EAFD61}" type="datetimeFigureOut">
               <a:rPr lang="en-GB" smtClean="0"/>
-              <a:t>05/07/2020</a:t>
+              <a:t>02/09/2020</a:t>
             </a:fld>
             <a:endParaRPr lang="en-GB"/>
           </a:p>
@@ -3593,7 +3593,7 @@
           <a:p>
             <a:fld id="{139FB17E-009F-48E4-A3F5-EB7575EAFD61}" type="datetimeFigureOut">
               <a:rPr lang="en-GB" smtClean="0"/>
-              <a:t>05/07/2020</a:t>
+              <a:t>02/09/2020</a:t>
             </a:fld>
             <a:endParaRPr lang="en-GB"/>
           </a:p>
@@ -3882,7 +3882,7 @@
           <a:p>
             <a:fld id="{139FB17E-009F-48E4-A3F5-EB7575EAFD61}" type="datetimeFigureOut">
               <a:rPr lang="en-GB" smtClean="0"/>
-              <a:t>05/07/2020</a:t>
+              <a:t>02/09/2020</a:t>
             </a:fld>
             <a:endParaRPr lang="en-GB"/>
           </a:p>
@@ -4125,7 +4125,7 @@
           <a:p>
             <a:fld id="{139FB17E-009F-48E4-A3F5-EB7575EAFD61}" type="datetimeFigureOut">
               <a:rPr lang="en-GB" smtClean="0"/>
-              <a:t>05/07/2020</a:t>
+              <a:t>02/09/2020</a:t>
             </a:fld>
             <a:endParaRPr lang="en-GB"/>
           </a:p>
@@ -5994,7 +5994,7 @@
         <p:spPr/>
         <p:txBody>
           <a:bodyPr>
-            <a:normAutofit/>
+            <a:normAutofit lnSpcReduction="10000"/>
           </a:bodyPr>
           <a:lstStyle/>
           <a:p>
@@ -6083,6 +6083,12 @@
             <a:r>
               <a:rPr lang="en-GB" dirty="0"/>
               <a:t> is an optional component which runs if non of the conditions are met</a:t>
+            </a:r>
+          </a:p>
+          <a:p>
+            <a:r>
+              <a:rPr lang="en-GB" dirty="0"/>
+              <a:t>Typically part of the SELECT  statement</a:t>
             </a:r>
           </a:p>
           <a:p>
@@ -6358,6 +6364,16 @@
               </a:rPr>
               <a:t>rental_rate</a:t>
             </a:r>
+            <a:r>
+              <a:rPr lang="en-GB" sz="2000" dirty="0">
+                <a:highlight>
+                  <a:srgbClr val="00FFFF"/>
+                </a:highlight>
+                <a:latin typeface="Courier New" panose="02070309020205020404" pitchFamily="49" charset="0"/>
+                <a:cs typeface="Courier New" panose="02070309020205020404" pitchFamily="49" charset="0"/>
+              </a:rPr>
+              <a:t>,</a:t>
+            </a:r>
             <a:br>
               <a:rPr lang="en-GB" sz="2000" dirty="0">
                 <a:highlight>
@@ -7682,13 +7698,8 @@
             </a:r>
             <a:r>
               <a:rPr lang="en-GB" dirty="0"/>
-              <a:t>s in the numerator and </a:t>
-            </a:r>
-            <a:r>
-              <a:rPr lang="en-GB" dirty="0" err="1"/>
-              <a:t>demoninator</a:t>
-            </a:r>
-            <a:endParaRPr lang="en-GB" dirty="0"/>
+              <a:t>s in the numerator and denominator</a:t>
+            </a:r>
           </a:p>
           <a:p>
             <a:pPr lvl="1"/>
@@ -8092,7 +8103,7 @@
                 <a:latin typeface="Courier New" panose="02070309020205020404" pitchFamily="49" charset="0"/>
                 <a:cs typeface="Courier New" panose="02070309020205020404" pitchFamily="49" charset="0"/>
               </a:rPr>
-              <a:t>replacement_cost</a:t>
+              <a:t>rental_rate</a:t>
             </a:r>
             <a:r>
               <a:rPr lang="en-GB" dirty="0">
@@ -8150,7 +8161,7 @@
                 <a:latin typeface="Courier New" panose="02070309020205020404" pitchFamily="49" charset="0"/>
                 <a:cs typeface="Courier New" panose="02070309020205020404" pitchFamily="49" charset="0"/>
               </a:rPr>
-              <a:t>replacement_cost</a:t>
+              <a:t>rental_rate</a:t>
             </a:r>
             <a:r>
               <a:rPr lang="en-GB" dirty="0">
@@ -8189,7 +8200,7 @@
                 <a:latin typeface="Courier New" panose="02070309020205020404" pitchFamily="49" charset="0"/>
                 <a:cs typeface="Courier New" panose="02070309020205020404" pitchFamily="49" charset="0"/>
               </a:rPr>
-              <a:t>replacement_cost</a:t>
+              <a:t>rental_rate</a:t>
             </a:r>
             <a:r>
               <a:rPr lang="en-GB" dirty="0">
@@ -8364,7 +8375,7 @@
             </a:pPr>
             <a:r>
               <a:rPr lang="en-GB" dirty="0"/>
-              <a:t>How many copies of the film ‘Hunchback Impossible’ exist in the inventory system? Return the film id, title, and number of copies</a:t>
+              <a:t>How many copies of the film ‘HUNCHBACK IMPOSSIBLE’ exist in the inventory system? Return the film id and title.</a:t>
             </a:r>
           </a:p>
           <a:p>
